--- a/team NO.1 presentation.pptx
+++ b/team NO.1 presentation.pptx
@@ -112,6 +112,11 @@
       </a:defRPr>
     </a:lvl9pPr>
   </p:defaultTextStyle>
+  <p:extLst>
+    <p:ext uri="{EFAFB233-063F-42B5-8137-9DF3F51BA10A}">
+      <p15:sldGuideLst xmlns:p15="http://schemas.microsoft.com/office/powerpoint/2012/main"/>
+    </p:ext>
+  </p:extLst>
 </p:presentation>
 </file>
 
@@ -6814,7 +6819,7 @@
           <a:p>
             <a:fld id="{A01C577B-BB7E-4AED-B506-7DB4E652CF27}" type="datetimeFigureOut">
               <a:rPr lang="he-IL" smtClean="0"/>
-              <a:t>י"ב/טבת/תש"פ</a:t>
+              <a:t>כ"א/טבת/תש"פ</a:t>
             </a:fld>
             <a:endParaRPr lang="he-IL"/>
           </a:p>
@@ -7152,7 +7157,7 @@
           <a:p>
             <a:fld id="{A01C577B-BB7E-4AED-B506-7DB4E652CF27}" type="datetimeFigureOut">
               <a:rPr lang="he-IL" smtClean="0"/>
-              <a:t>י"ב/טבת/תש"פ</a:t>
+              <a:t>כ"א/טבת/תש"פ</a:t>
             </a:fld>
             <a:endParaRPr lang="he-IL"/>
           </a:p>
@@ -7553,7 +7558,7 @@
           <a:p>
             <a:fld id="{A01C577B-BB7E-4AED-B506-7DB4E652CF27}" type="datetimeFigureOut">
               <a:rPr lang="he-IL" smtClean="0"/>
-              <a:t>י"ב/טבת/תש"פ</a:t>
+              <a:t>כ"א/טבת/תש"פ</a:t>
             </a:fld>
             <a:endParaRPr lang="he-IL"/>
           </a:p>
@@ -7889,7 +7894,7 @@
           <a:p>
             <a:fld id="{A01C577B-BB7E-4AED-B506-7DB4E652CF27}" type="datetimeFigureOut">
               <a:rPr lang="he-IL" smtClean="0"/>
-              <a:t>י"ב/טבת/תש"פ</a:t>
+              <a:t>כ"א/טבת/תש"פ</a:t>
             </a:fld>
             <a:endParaRPr lang="he-IL"/>
           </a:p>
@@ -8209,7 +8214,7 @@
           <a:p>
             <a:fld id="{A01C577B-BB7E-4AED-B506-7DB4E652CF27}" type="datetimeFigureOut">
               <a:rPr lang="he-IL" smtClean="0"/>
-              <a:t>י"ב/טבת/תש"פ</a:t>
+              <a:t>כ"א/טבת/תש"פ</a:t>
             </a:fld>
             <a:endParaRPr lang="he-IL"/>
           </a:p>
@@ -8605,7 +8610,7 @@
           <a:p>
             <a:fld id="{A01C577B-BB7E-4AED-B506-7DB4E652CF27}" type="datetimeFigureOut">
               <a:rPr lang="he-IL" smtClean="0"/>
-              <a:t>י"ב/טבת/תש"פ</a:t>
+              <a:t>כ"א/טבת/תש"פ</a:t>
             </a:fld>
             <a:endParaRPr lang="he-IL"/>
           </a:p>
@@ -8862,7 +8867,7 @@
           <a:p>
             <a:fld id="{A01C577B-BB7E-4AED-B506-7DB4E652CF27}" type="datetimeFigureOut">
               <a:rPr lang="he-IL" smtClean="0"/>
-              <a:t>י"ב/טבת/תש"פ</a:t>
+              <a:t>כ"א/טבת/תש"פ</a:t>
             </a:fld>
             <a:endParaRPr lang="he-IL"/>
           </a:p>
@@ -9124,7 +9129,7 @@
           <a:p>
             <a:fld id="{A01C577B-BB7E-4AED-B506-7DB4E652CF27}" type="datetimeFigureOut">
               <a:rPr lang="he-IL" smtClean="0"/>
-              <a:t>י"ב/טבת/תש"פ</a:t>
+              <a:t>כ"א/טבת/תש"פ</a:t>
             </a:fld>
             <a:endParaRPr lang="he-IL"/>
           </a:p>
@@ -9386,7 +9391,7 @@
           <a:p>
             <a:fld id="{A01C577B-BB7E-4AED-B506-7DB4E652CF27}" type="datetimeFigureOut">
               <a:rPr lang="he-IL" smtClean="0"/>
-              <a:t>י"ב/טבת/תש"פ</a:t>
+              <a:t>כ"א/טבת/תש"פ</a:t>
             </a:fld>
             <a:endParaRPr lang="he-IL"/>
           </a:p>
@@ -9715,7 +9720,7 @@
           <a:p>
             <a:fld id="{A01C577B-BB7E-4AED-B506-7DB4E652CF27}" type="datetimeFigureOut">
               <a:rPr lang="he-IL" smtClean="0"/>
-              <a:t>י"ב/טבת/תש"פ</a:t>
+              <a:t>כ"א/טבת/תש"פ</a:t>
             </a:fld>
             <a:endParaRPr lang="he-IL"/>
           </a:p>
@@ -10038,7 +10043,7 @@
           <a:p>
             <a:fld id="{A01C577B-BB7E-4AED-B506-7DB4E652CF27}" type="datetimeFigureOut">
               <a:rPr lang="he-IL" smtClean="0"/>
-              <a:t>י"ב/טבת/תש"פ</a:t>
+              <a:t>כ"א/טבת/תש"פ</a:t>
             </a:fld>
             <a:endParaRPr lang="he-IL"/>
           </a:p>
@@ -10495,7 +10500,7 @@
           <a:p>
             <a:fld id="{A01C577B-BB7E-4AED-B506-7DB4E652CF27}" type="datetimeFigureOut">
               <a:rPr lang="he-IL" smtClean="0"/>
-              <a:t>י"ב/טבת/תש"פ</a:t>
+              <a:t>כ"א/טבת/תש"פ</a:t>
             </a:fld>
             <a:endParaRPr lang="he-IL"/>
           </a:p>
@@ -10700,7 +10705,7 @@
           <a:p>
             <a:fld id="{A01C577B-BB7E-4AED-B506-7DB4E652CF27}" type="datetimeFigureOut">
               <a:rPr lang="he-IL" smtClean="0"/>
-              <a:t>י"ב/טבת/תש"פ</a:t>
+              <a:t>כ"א/טבת/תש"פ</a:t>
             </a:fld>
             <a:endParaRPr lang="he-IL"/>
           </a:p>
@@ -10877,7 +10882,7 @@
           <a:p>
             <a:fld id="{A01C577B-BB7E-4AED-B506-7DB4E652CF27}" type="datetimeFigureOut">
               <a:rPr lang="he-IL" smtClean="0"/>
-              <a:t>י"ב/טבת/תש"פ</a:t>
+              <a:t>כ"א/טבת/תש"פ</a:t>
             </a:fld>
             <a:endParaRPr lang="he-IL"/>
           </a:p>
@@ -11210,7 +11215,7 @@
           <a:p>
             <a:fld id="{A01C577B-BB7E-4AED-B506-7DB4E652CF27}" type="datetimeFigureOut">
               <a:rPr lang="he-IL" smtClean="0"/>
-              <a:t>י"ב/טבת/תש"פ</a:t>
+              <a:t>כ"א/טבת/תש"פ</a:t>
             </a:fld>
             <a:endParaRPr lang="he-IL"/>
           </a:p>
@@ -11555,7 +11560,7 @@
           <a:p>
             <a:fld id="{A01C577B-BB7E-4AED-B506-7DB4E652CF27}" type="datetimeFigureOut">
               <a:rPr lang="he-IL" smtClean="0"/>
-              <a:t>י"ב/טבת/תש"פ</a:t>
+              <a:t>כ"א/טבת/תש"פ</a:t>
             </a:fld>
             <a:endParaRPr lang="he-IL"/>
           </a:p>
@@ -13672,7 +13677,7 @@
           <a:p>
             <a:fld id="{A01C577B-BB7E-4AED-B506-7DB4E652CF27}" type="datetimeFigureOut">
               <a:rPr lang="he-IL" smtClean="0"/>
-              <a:t>י"ב/טבת/תש"פ</a:t>
+              <a:t>כ"א/טבת/תש"פ</a:t>
             </a:fld>
             <a:endParaRPr lang="he-IL"/>
           </a:p>
@@ -15905,7 +15910,7 @@
             </a:r>
             <a:r>
               <a:rPr lang="he-IL" sz="2000" dirty="0"/>
-              <a:t>– תרגולים בקורס שיטות והעמקת הידע שרחשנו מהאינטרנט הצלחנו להתגבר על מכשול זה ואף הצלחנו להרחיב את הידע שלנו.</a:t>
+              <a:t>– בעזרת תרגולים בקורס שיטות והעמקת הידע שרכשנו מהאינטרנט הצלחנו להתגבר על מכשול זה ואף הצלחנו להרחיב את הידע שלנו.</a:t>
             </a:r>
           </a:p>
         </p:txBody>
